--- a/pipeline_scripts/template.pptx
+++ b/pipeline_scripts/template.pptx
@@ -4,6 +4,9 @@
   <p:sldMasterIdLst>
     <p:sldMasterId id="2147483648" r:id="rId1"/>
   </p:sldMasterIdLst>
+  <p:notesMasterIdLst>
+    <p:notesMasterId r:id="rId3"/>
+  </p:notesMasterIdLst>
   <p:sldIdLst>
     <p:sldId id="256" r:id="rId2"/>
   </p:sldIdLst>
@@ -104,7 +107,362 @@
       </a:defRPr>
     </a:lvl9pPr>
   </p:defaultTextStyle>
+  <p:extLst>
+    <p:ext uri="{EFAFB233-063F-42B5-8137-9DF3F51BA10A}">
+      <p15:sldGuideLst xmlns:p15="http://schemas.microsoft.com/office/powerpoint/2012/main"/>
+    </p:ext>
+  </p:extLst>
 </p:presentation>
+</file>
+
+<file path=ppt/notesMasters/notesMaster1.xml><?xml version="1.0" encoding="utf-8"?>
+<p:notesMaster xmlns:a="http://schemas.openxmlformats.org/drawingml/2006/main" xmlns:r="http://schemas.openxmlformats.org/officeDocument/2006/relationships" xmlns:p="http://schemas.openxmlformats.org/presentationml/2006/main">
+  <p:cSld>
+    <p:bg>
+      <p:bgRef idx="1001">
+        <a:schemeClr val="bg1"/>
+      </p:bgRef>
+    </p:bg>
+    <p:spTree>
+      <p:nvGrpSpPr>
+        <p:cNvPr id="1" name=""/>
+        <p:cNvGrpSpPr/>
+        <p:nvPr/>
+      </p:nvGrpSpPr>
+      <p:grpSpPr>
+        <a:xfrm>
+          <a:off x="0" y="0"/>
+          <a:ext cx="0" cy="0"/>
+          <a:chOff x="0" y="0"/>
+          <a:chExt cx="0" cy="0"/>
+        </a:xfrm>
+      </p:grpSpPr>
+      <p:sp>
+        <p:nvSpPr>
+          <p:cNvPr id="2" name="Header Placeholder 1"/>
+          <p:cNvSpPr>
+            <a:spLocks noGrp="1"/>
+          </p:cNvSpPr>
+          <p:nvPr>
+            <p:ph type="hdr" sz="quarter"/>
+          </p:nvPr>
+        </p:nvSpPr>
+        <p:spPr>
+          <a:xfrm>
+            <a:off x="0" y="0"/>
+            <a:ext cx="2971800" cy="458788"/>
+          </a:xfrm>
+          <a:prstGeom prst="rect">
+            <a:avLst/>
+          </a:prstGeom>
+        </p:spPr>
+        <p:txBody>
+          <a:bodyPr vert="horz" lIns="91440" tIns="45720" rIns="91440" bIns="45720" rtlCol="0"/>
+          <a:lstStyle>
+            <a:lvl1pPr algn="l">
+              <a:defRPr sz="1200"/>
+            </a:lvl1pPr>
+          </a:lstStyle>
+          <a:p>
+            <a:endParaRPr lang="en-IN"/>
+          </a:p>
+        </p:txBody>
+      </p:sp>
+      <p:sp>
+        <p:nvSpPr>
+          <p:cNvPr id="3" name="Date Placeholder 2"/>
+          <p:cNvSpPr>
+            <a:spLocks noGrp="1"/>
+          </p:cNvSpPr>
+          <p:nvPr>
+            <p:ph type="dt" idx="1"/>
+          </p:nvPr>
+        </p:nvSpPr>
+        <p:spPr>
+          <a:xfrm>
+            <a:off x="3884613" y="0"/>
+            <a:ext cx="2971800" cy="458788"/>
+          </a:xfrm>
+          <a:prstGeom prst="rect">
+            <a:avLst/>
+          </a:prstGeom>
+        </p:spPr>
+        <p:txBody>
+          <a:bodyPr vert="horz" lIns="91440" tIns="45720" rIns="91440" bIns="45720" rtlCol="0"/>
+          <a:lstStyle>
+            <a:lvl1pPr algn="r">
+              <a:defRPr sz="1200"/>
+            </a:lvl1pPr>
+          </a:lstStyle>
+          <a:p>
+            <a:fld id="{10B0C8F0-00EF-41E3-B263-08021079ADE3}" type="datetimeFigureOut">
+              <a:rPr lang="en-IN" smtClean="0"/>
+              <a:t>29-04-2025</a:t>
+            </a:fld>
+            <a:endParaRPr lang="en-IN"/>
+          </a:p>
+        </p:txBody>
+      </p:sp>
+      <p:sp>
+        <p:nvSpPr>
+          <p:cNvPr id="4" name="Slide Image Placeholder 3"/>
+          <p:cNvSpPr>
+            <a:spLocks noGrp="1" noRot="1" noChangeAspect="1"/>
+          </p:cNvSpPr>
+          <p:nvPr>
+            <p:ph type="sldImg" idx="2"/>
+          </p:nvPr>
+        </p:nvSpPr>
+        <p:spPr>
+          <a:xfrm>
+            <a:off x="685800" y="1143000"/>
+            <a:ext cx="5486400" cy="3086100"/>
+          </a:xfrm>
+          <a:prstGeom prst="rect">
+            <a:avLst/>
+          </a:prstGeom>
+          <a:noFill/>
+          <a:ln w="12700">
+            <a:solidFill>
+              <a:prstClr val="black"/>
+            </a:solidFill>
+          </a:ln>
+        </p:spPr>
+        <p:txBody>
+          <a:bodyPr vert="horz" lIns="91440" tIns="45720" rIns="91440" bIns="45720" rtlCol="0" anchor="ctr"/>
+          <a:lstStyle/>
+          <a:p>
+            <a:endParaRPr lang="en-IN"/>
+          </a:p>
+        </p:txBody>
+      </p:sp>
+      <p:sp>
+        <p:nvSpPr>
+          <p:cNvPr id="5" name="Notes Placeholder 4"/>
+          <p:cNvSpPr>
+            <a:spLocks noGrp="1"/>
+          </p:cNvSpPr>
+          <p:nvPr>
+            <p:ph type="body" sz="quarter" idx="3"/>
+          </p:nvPr>
+        </p:nvSpPr>
+        <p:spPr>
+          <a:xfrm>
+            <a:off x="685800" y="4400550"/>
+            <a:ext cx="5486400" cy="3600450"/>
+          </a:xfrm>
+          <a:prstGeom prst="rect">
+            <a:avLst/>
+          </a:prstGeom>
+        </p:spPr>
+        <p:txBody>
+          <a:bodyPr vert="horz" lIns="91440" tIns="45720" rIns="91440" bIns="45720" rtlCol="0"/>
+          <a:lstStyle/>
+          <a:p>
+            <a:pPr lvl="0"/>
+            <a:r>
+              <a:rPr lang="en-US"/>
+              <a:t>Click to edit Master text styles</a:t>
+            </a:r>
+          </a:p>
+          <a:p>
+            <a:pPr lvl="1"/>
+            <a:r>
+              <a:rPr lang="en-US"/>
+              <a:t>Second level</a:t>
+            </a:r>
+          </a:p>
+          <a:p>
+            <a:pPr lvl="2"/>
+            <a:r>
+              <a:rPr lang="en-US"/>
+              <a:t>Third level</a:t>
+            </a:r>
+          </a:p>
+          <a:p>
+            <a:pPr lvl="3"/>
+            <a:r>
+              <a:rPr lang="en-US"/>
+              <a:t>Fourth level</a:t>
+            </a:r>
+          </a:p>
+          <a:p>
+            <a:pPr lvl="4"/>
+            <a:r>
+              <a:rPr lang="en-US"/>
+              <a:t>Fifth level</a:t>
+            </a:r>
+            <a:endParaRPr lang="en-IN"/>
+          </a:p>
+        </p:txBody>
+      </p:sp>
+      <p:sp>
+        <p:nvSpPr>
+          <p:cNvPr id="6" name="Footer Placeholder 5"/>
+          <p:cNvSpPr>
+            <a:spLocks noGrp="1"/>
+          </p:cNvSpPr>
+          <p:nvPr>
+            <p:ph type="ftr" sz="quarter" idx="4"/>
+          </p:nvPr>
+        </p:nvSpPr>
+        <p:spPr>
+          <a:xfrm>
+            <a:off x="0" y="8685213"/>
+            <a:ext cx="2971800" cy="458787"/>
+          </a:xfrm>
+          <a:prstGeom prst="rect">
+            <a:avLst/>
+          </a:prstGeom>
+        </p:spPr>
+        <p:txBody>
+          <a:bodyPr vert="horz" lIns="91440" tIns="45720" rIns="91440" bIns="45720" rtlCol="0" anchor="b"/>
+          <a:lstStyle>
+            <a:lvl1pPr algn="l">
+              <a:defRPr sz="1200"/>
+            </a:lvl1pPr>
+          </a:lstStyle>
+          <a:p>
+            <a:endParaRPr lang="en-IN"/>
+          </a:p>
+        </p:txBody>
+      </p:sp>
+      <p:sp>
+        <p:nvSpPr>
+          <p:cNvPr id="7" name="Slide Number Placeholder 6"/>
+          <p:cNvSpPr>
+            <a:spLocks noGrp="1"/>
+          </p:cNvSpPr>
+          <p:nvPr>
+            <p:ph type="sldNum" sz="quarter" idx="5"/>
+          </p:nvPr>
+        </p:nvSpPr>
+        <p:spPr>
+          <a:xfrm>
+            <a:off x="3884613" y="8685213"/>
+            <a:ext cx="2971800" cy="458787"/>
+          </a:xfrm>
+          <a:prstGeom prst="rect">
+            <a:avLst/>
+          </a:prstGeom>
+        </p:spPr>
+        <p:txBody>
+          <a:bodyPr vert="horz" lIns="91440" tIns="45720" rIns="91440" bIns="45720" rtlCol="0" anchor="b"/>
+          <a:lstStyle>
+            <a:lvl1pPr algn="r">
+              <a:defRPr sz="1200"/>
+            </a:lvl1pPr>
+          </a:lstStyle>
+          <a:p>
+            <a:fld id="{66DACA49-BB10-4D17-9EAD-753058602D2C}" type="slidenum">
+              <a:rPr lang="en-IN" smtClean="0"/>
+              <a:t>‹#›</a:t>
+            </a:fld>
+            <a:endParaRPr lang="en-IN"/>
+          </a:p>
+        </p:txBody>
+      </p:sp>
+    </p:spTree>
+    <p:extLst>
+      <p:ext uri="{BB962C8B-B14F-4D97-AF65-F5344CB8AC3E}">
+        <p14:creationId xmlns:p14="http://schemas.microsoft.com/office/powerpoint/2010/main" val="2523663829"/>
+      </p:ext>
+    </p:extLst>
+  </p:cSld>
+  <p:clrMap bg1="lt1" tx1="dk1" bg2="lt2" tx2="dk2" accent1="accent1" accent2="accent2" accent3="accent3" accent4="accent4" accent5="accent5" accent6="accent6" hlink="hlink" folHlink="folHlink"/>
+  <p:notesStyle>
+    <a:lvl1pPr marL="0" algn="l" defTabSz="914400" rtl="0" eaLnBrk="1" latinLnBrk="0" hangingPunct="1">
+      <a:defRPr sz="1200" kern="1200">
+        <a:solidFill>
+          <a:schemeClr val="tx1"/>
+        </a:solidFill>
+        <a:latin typeface="+mn-lt"/>
+        <a:ea typeface="+mn-ea"/>
+        <a:cs typeface="+mn-cs"/>
+      </a:defRPr>
+    </a:lvl1pPr>
+    <a:lvl2pPr marL="457200" algn="l" defTabSz="914400" rtl="0" eaLnBrk="1" latinLnBrk="0" hangingPunct="1">
+      <a:defRPr sz="1200" kern="1200">
+        <a:solidFill>
+          <a:schemeClr val="tx1"/>
+        </a:solidFill>
+        <a:latin typeface="+mn-lt"/>
+        <a:ea typeface="+mn-ea"/>
+        <a:cs typeface="+mn-cs"/>
+      </a:defRPr>
+    </a:lvl2pPr>
+    <a:lvl3pPr marL="914400" algn="l" defTabSz="914400" rtl="0" eaLnBrk="1" latinLnBrk="0" hangingPunct="1">
+      <a:defRPr sz="1200" kern="1200">
+        <a:solidFill>
+          <a:schemeClr val="tx1"/>
+        </a:solidFill>
+        <a:latin typeface="+mn-lt"/>
+        <a:ea typeface="+mn-ea"/>
+        <a:cs typeface="+mn-cs"/>
+      </a:defRPr>
+    </a:lvl3pPr>
+    <a:lvl4pPr marL="1371600" algn="l" defTabSz="914400" rtl="0" eaLnBrk="1" latinLnBrk="0" hangingPunct="1">
+      <a:defRPr sz="1200" kern="1200">
+        <a:solidFill>
+          <a:schemeClr val="tx1"/>
+        </a:solidFill>
+        <a:latin typeface="+mn-lt"/>
+        <a:ea typeface="+mn-ea"/>
+        <a:cs typeface="+mn-cs"/>
+      </a:defRPr>
+    </a:lvl4pPr>
+    <a:lvl5pPr marL="1828800" algn="l" defTabSz="914400" rtl="0" eaLnBrk="1" latinLnBrk="0" hangingPunct="1">
+      <a:defRPr sz="1200" kern="1200">
+        <a:solidFill>
+          <a:schemeClr val="tx1"/>
+        </a:solidFill>
+        <a:latin typeface="+mn-lt"/>
+        <a:ea typeface="+mn-ea"/>
+        <a:cs typeface="+mn-cs"/>
+      </a:defRPr>
+    </a:lvl5pPr>
+    <a:lvl6pPr marL="2286000" algn="l" defTabSz="914400" rtl="0" eaLnBrk="1" latinLnBrk="0" hangingPunct="1">
+      <a:defRPr sz="1200" kern="1200">
+        <a:solidFill>
+          <a:schemeClr val="tx1"/>
+        </a:solidFill>
+        <a:latin typeface="+mn-lt"/>
+        <a:ea typeface="+mn-ea"/>
+        <a:cs typeface="+mn-cs"/>
+      </a:defRPr>
+    </a:lvl6pPr>
+    <a:lvl7pPr marL="2743200" algn="l" defTabSz="914400" rtl="0" eaLnBrk="1" latinLnBrk="0" hangingPunct="1">
+      <a:defRPr sz="1200" kern="1200">
+        <a:solidFill>
+          <a:schemeClr val="tx1"/>
+        </a:solidFill>
+        <a:latin typeface="+mn-lt"/>
+        <a:ea typeface="+mn-ea"/>
+        <a:cs typeface="+mn-cs"/>
+      </a:defRPr>
+    </a:lvl7pPr>
+    <a:lvl8pPr marL="3200400" algn="l" defTabSz="914400" rtl="0" eaLnBrk="1" latinLnBrk="0" hangingPunct="1">
+      <a:defRPr sz="1200" kern="1200">
+        <a:solidFill>
+          <a:schemeClr val="tx1"/>
+        </a:solidFill>
+        <a:latin typeface="+mn-lt"/>
+        <a:ea typeface="+mn-ea"/>
+        <a:cs typeface="+mn-cs"/>
+      </a:defRPr>
+    </a:lvl8pPr>
+    <a:lvl9pPr marL="3657600" algn="l" defTabSz="914400" rtl="0" eaLnBrk="1" latinLnBrk="0" hangingPunct="1">
+      <a:defRPr sz="1200" kern="1200">
+        <a:solidFill>
+          <a:schemeClr val="tx1"/>
+        </a:solidFill>
+        <a:latin typeface="+mn-lt"/>
+        <a:ea typeface="+mn-ea"/>
+        <a:cs typeface="+mn-cs"/>
+      </a:defRPr>
+    </a:lvl9pPr>
+  </p:notesStyle>
+</p:notesMaster>
 </file>
 
 <file path=ppt/slideLayouts/slideLayout1.xml><?xml version="1.0" encoding="utf-8"?>
@@ -1517,7 +1875,7 @@
             <a:fld id="{48A87A34-81AB-432B-8DAE-1953F412C126}" type="datetimeFigureOut">
               <a:rPr lang="en-US" dirty="0"/>
               <a:pPr/>
-              <a:t>4/22/2025</a:t>
+              <a:t>4/29/2025</a:t>
             </a:fld>
             <a:endParaRPr lang="en-US" dirty="0"/>
           </a:p>
@@ -2971,7 +3329,7 @@
           <a:p>
             <a:fld id="{48A87A34-81AB-432B-8DAE-1953F412C126}" type="datetimeFigureOut">
               <a:rPr lang="en-US" dirty="0"/>
-              <a:t>4/22/2025</a:t>
+              <a:t>4/29/2025</a:t>
             </a:fld>
             <a:endParaRPr lang="en-US" dirty="0"/>
           </a:p>
@@ -4419,7 +4777,7 @@
           <a:p>
             <a:fld id="{48A87A34-81AB-432B-8DAE-1953F412C126}" type="datetimeFigureOut">
               <a:rPr lang="en-US" dirty="0"/>
-              <a:t>4/22/2025</a:t>
+              <a:t>4/29/2025</a:t>
             </a:fld>
             <a:endParaRPr lang="en-US" dirty="0"/>
           </a:p>
@@ -5779,7 +6137,7 @@
           <a:bodyPr/>
           <a:lstStyle>
             <a:lvl1pPr>
-              <a:defRPr>
+              <a:defRPr sz="3200">
                 <a:solidFill>
                   <a:srgbClr val="FFFEFF"/>
                 </a:solidFill>
@@ -5788,10 +6146,9 @@
           </a:lstStyle>
           <a:p>
             <a:r>
-              <a:rPr lang="en-US"/>
+              <a:rPr lang="en-US" dirty="0"/>
               <a:t>Click to edit Master title style</a:t>
             </a:r>
-            <a:endParaRPr lang="en-US" dirty="0"/>
           </a:p>
         </p:txBody>
       </p:sp>
@@ -5807,48 +6164,25 @@
         </p:nvSpPr>
         <p:spPr>
           <a:xfrm>
-            <a:off x="5118447" y="803186"/>
-            <a:ext cx="6281873" cy="5248622"/>
+            <a:off x="4587334" y="827088"/>
+            <a:ext cx="6796946" cy="5224720"/>
           </a:xfrm>
         </p:spPr>
         <p:txBody>
-          <a:bodyPr anchor="ctr"/>
-          <a:lstStyle/>
+          <a:bodyPr anchor="ctr">
+            <a:normAutofit/>
+          </a:bodyPr>
+          <a:lstStyle>
+            <a:lvl1pPr>
+              <a:defRPr sz="1300"/>
+            </a:lvl1pPr>
+          </a:lstStyle>
           <a:p>
             <a:pPr lvl="0"/>
             <a:r>
-              <a:rPr lang="en-US"/>
+              <a:rPr lang="en-US" dirty="0"/>
               <a:t>Click to edit Master text styles</a:t>
             </a:r>
-          </a:p>
-          <a:p>
-            <a:pPr lvl="1"/>
-            <a:r>
-              <a:rPr lang="en-US"/>
-              <a:t>Second level</a:t>
-            </a:r>
-          </a:p>
-          <a:p>
-            <a:pPr lvl="2"/>
-            <a:r>
-              <a:rPr lang="en-US"/>
-              <a:t>Third level</a:t>
-            </a:r>
-          </a:p>
-          <a:p>
-            <a:pPr lvl="3"/>
-            <a:r>
-              <a:rPr lang="en-US"/>
-              <a:t>Fourth level</a:t>
-            </a:r>
-          </a:p>
-          <a:p>
-            <a:pPr lvl="4"/>
-            <a:r>
-              <a:rPr lang="en-US"/>
-              <a:t>Fifth level</a:t>
-            </a:r>
-            <a:endParaRPr lang="en-US" dirty="0"/>
           </a:p>
         </p:txBody>
       </p:sp>
@@ -5869,7 +6203,7 @@
           <a:p>
             <a:fld id="{48A87A34-81AB-432B-8DAE-1953F412C126}" type="datetimeFigureOut">
               <a:rPr lang="en-US" dirty="0"/>
-              <a:t>4/22/2025</a:t>
+              <a:t>4/29/2025</a:t>
             </a:fld>
             <a:endParaRPr lang="en-US" dirty="0"/>
           </a:p>
@@ -7372,7 +7706,7 @@
           <a:p>
             <a:fld id="{48A87A34-81AB-432B-8DAE-1953F412C126}" type="datetimeFigureOut">
               <a:rPr lang="en-US" dirty="0"/>
-              <a:t>4/22/2025</a:t>
+              <a:t>4/29/2025</a:t>
             </a:fld>
             <a:endParaRPr lang="en-US" dirty="0"/>
           </a:p>
@@ -8888,7 +9222,7 @@
           <a:p>
             <a:fld id="{48A87A34-81AB-432B-8DAE-1953F412C126}" type="datetimeFigureOut">
               <a:rPr lang="en-US" dirty="0"/>
-              <a:t>4/22/2025</a:t>
+              <a:t>4/29/2025</a:t>
             </a:fld>
             <a:endParaRPr lang="en-US" dirty="0"/>
           </a:p>
@@ -10548,7 +10882,7 @@
           <a:p>
             <a:fld id="{48A87A34-81AB-432B-8DAE-1953F412C126}" type="datetimeFigureOut">
               <a:rPr lang="en-US" dirty="0"/>
-              <a:t>4/22/2025</a:t>
+              <a:t>4/29/2025</a:t>
             </a:fld>
             <a:endParaRPr lang="en-US" dirty="0"/>
           </a:p>
@@ -11908,7 +12242,7 @@
           <a:bodyPr/>
           <a:lstStyle>
             <a:lvl1pPr>
-              <a:defRPr>
+              <a:defRPr sz="3200">
                 <a:solidFill>
                   <a:srgbClr val="FFFEFF"/>
                 </a:solidFill>
@@ -11917,10 +12251,9 @@
           </a:lstStyle>
           <a:p>
             <a:r>
-              <a:rPr lang="en-US"/>
+              <a:rPr lang="en-US" dirty="0"/>
               <a:t>Click to edit Master title style</a:t>
             </a:r>
-            <a:endParaRPr lang="en-US" dirty="0"/>
           </a:p>
         </p:txBody>
       </p:sp>
@@ -11941,7 +12274,7 @@
           <a:p>
             <a:fld id="{48A87A34-81AB-432B-8DAE-1953F412C126}" type="datetimeFigureOut">
               <a:rPr lang="en-US" dirty="0"/>
-              <a:t>4/22/2025</a:t>
+              <a:t>4/29/2025</a:t>
             </a:fld>
             <a:endParaRPr lang="en-US" dirty="0"/>
           </a:p>
@@ -11998,7 +12331,7 @@
 </file>
 
 <file path=ppt/slideLayouts/slideLayout7.xml><?xml version="1.0" encoding="utf-8"?>
-<p:sldLayout xmlns:a="http://schemas.openxmlformats.org/drawingml/2006/main" xmlns:r="http://schemas.openxmlformats.org/officeDocument/2006/relationships" xmlns:p="http://schemas.openxmlformats.org/presentationml/2006/main" type="blank" preserve="1">
+<p:sldLayout xmlns:a="http://schemas.openxmlformats.org/drawingml/2006/main" xmlns:r="http://schemas.openxmlformats.org/officeDocument/2006/relationships" xmlns:p="http://schemas.openxmlformats.org/presentationml/2006/main" preserve="1" userDrawn="1">
   <p:cSld name="Blank">
     <p:spTree>
       <p:nvGrpSpPr>
@@ -12036,7 +12369,7 @@
           <a:p>
             <a:fld id="{48A87A34-81AB-432B-8DAE-1953F412C126}" type="datetimeFigureOut">
               <a:rPr lang="en-US" dirty="0"/>
-              <a:t>4/22/2025</a:t>
+              <a:t>4/29/2025</a:t>
             </a:fld>
             <a:endParaRPr lang="en-US" dirty="0"/>
           </a:p>
@@ -12094,6 +12427,1266 @@
           </a:p>
         </p:txBody>
       </p:sp>
+      <p:grpSp>
+        <p:nvGrpSpPr>
+          <p:cNvPr id="5" name="Group 4">
+            <a:extLst>
+              <a:ext uri="{FF2B5EF4-FFF2-40B4-BE49-F238E27FC236}">
+                <a16:creationId xmlns:a16="http://schemas.microsoft.com/office/drawing/2014/main" id="{B7FD7ECA-72BC-AA32-268B-5B0B99F0213A}"/>
+              </a:ext>
+            </a:extLst>
+          </p:cNvPr>
+          <p:cNvGrpSpPr/>
+          <p:nvPr userDrawn="1"/>
+        </p:nvGrpSpPr>
+        <p:grpSpPr>
+          <a:xfrm>
+            <a:off x="-554182" y="-42279"/>
+            <a:ext cx="12584114" cy="6853238"/>
+            <a:chOff x="-417513" y="0"/>
+            <a:chExt cx="12584114" cy="6853238"/>
+          </a:xfrm>
+        </p:grpSpPr>
+        <p:sp>
+          <p:nvSpPr>
+            <p:cNvPr id="6" name="Freeform 5">
+              <a:extLst>
+                <a:ext uri="{FF2B5EF4-FFF2-40B4-BE49-F238E27FC236}">
+                  <a16:creationId xmlns:a16="http://schemas.microsoft.com/office/drawing/2014/main" id="{7A9E0A28-A685-A43A-140C-77097442A7F9}"/>
+                </a:ext>
+              </a:extLst>
+            </p:cNvPr>
+            <p:cNvSpPr/>
+            <p:nvPr/>
+          </p:nvSpPr>
+          <p:spPr bwMode="auto">
+            <a:xfrm>
+              <a:off x="1306513" y="0"/>
+              <a:ext cx="3862388" cy="6843713"/>
+            </a:xfrm>
+            <a:custGeom>
+              <a:avLst/>
+              <a:gdLst/>
+              <a:ahLst/>
+              <a:cxnLst/>
+              <a:rect l="0" t="0" r="r" b="b"/>
+              <a:pathLst>
+                <a:path w="813" h="1440">
+                  <a:moveTo>
+                    <a:pt x="813" y="0"/>
+                  </a:moveTo>
+                  <a:cubicBezTo>
+                    <a:pt x="331" y="221"/>
+                    <a:pt x="0" y="1039"/>
+                    <a:pt x="435" y="1440"/>
+                  </a:cubicBezTo>
+                </a:path>
+              </a:pathLst>
+            </a:custGeom>
+            <a:noFill/>
+            <a:ln w="9525" cap="flat">
+              <a:solidFill>
+                <a:schemeClr val="tx1">
+                  <a:alpha val="20000"/>
+                </a:schemeClr>
+              </a:solidFill>
+              <a:prstDash val="solid"/>
+              <a:miter lim="800000"/>
+              <a:headEnd/>
+              <a:tailEnd/>
+            </a:ln>
+            <a:extLst>
+              <a:ext uri="{909E8E84-426E-40DD-AFC4-6F175D3DCCD1}">
+                <a14:hiddenFill xmlns:a14="http://schemas.microsoft.com/office/drawing/2010/main">
+                  <a:solidFill>
+                    <a:srgbClr val="FFFFFF"/>
+                  </a:solidFill>
+                </a14:hiddenFill>
+              </a:ext>
+            </a:extLst>
+          </p:spPr>
+        </p:sp>
+        <p:sp>
+          <p:nvSpPr>
+            <p:cNvPr id="7" name="Freeform 6">
+              <a:extLst>
+                <a:ext uri="{FF2B5EF4-FFF2-40B4-BE49-F238E27FC236}">
+                  <a16:creationId xmlns:a16="http://schemas.microsoft.com/office/drawing/2014/main" id="{E194B36E-DD6A-CDCD-D68C-D76F9FA70470}"/>
+                </a:ext>
+              </a:extLst>
+            </p:cNvPr>
+            <p:cNvSpPr/>
+            <p:nvPr/>
+          </p:nvSpPr>
+          <p:spPr bwMode="auto">
+            <a:xfrm>
+              <a:off x="10626725" y="9525"/>
+              <a:ext cx="1539875" cy="555625"/>
+            </a:xfrm>
+            <a:custGeom>
+              <a:avLst/>
+              <a:gdLst/>
+              <a:ahLst/>
+              <a:cxnLst/>
+              <a:rect l="0" t="0" r="r" b="b"/>
+              <a:pathLst>
+                <a:path w="324" h="117">
+                  <a:moveTo>
+                    <a:pt x="324" y="117"/>
+                  </a:moveTo>
+                  <a:cubicBezTo>
+                    <a:pt x="223" y="64"/>
+                    <a:pt x="107" y="28"/>
+                    <a:pt x="0" y="0"/>
+                  </a:cubicBezTo>
+                </a:path>
+              </a:pathLst>
+            </a:custGeom>
+            <a:noFill/>
+            <a:ln w="9525" cap="flat">
+              <a:solidFill>
+                <a:schemeClr val="tx1">
+                  <a:alpha val="20000"/>
+                </a:schemeClr>
+              </a:solidFill>
+              <a:prstDash val="solid"/>
+              <a:miter lim="800000"/>
+              <a:headEnd/>
+              <a:tailEnd/>
+            </a:ln>
+            <a:extLst>
+              <a:ext uri="{909E8E84-426E-40DD-AFC4-6F175D3DCCD1}">
+                <a14:hiddenFill xmlns:a14="http://schemas.microsoft.com/office/drawing/2010/main">
+                  <a:solidFill>
+                    <a:srgbClr val="FFFFFF"/>
+                  </a:solidFill>
+                </a14:hiddenFill>
+              </a:ext>
+            </a:extLst>
+          </p:spPr>
+        </p:sp>
+        <p:sp>
+          <p:nvSpPr>
+            <p:cNvPr id="8" name="Freeform 7">
+              <a:extLst>
+                <a:ext uri="{FF2B5EF4-FFF2-40B4-BE49-F238E27FC236}">
+                  <a16:creationId xmlns:a16="http://schemas.microsoft.com/office/drawing/2014/main" id="{06020B74-12B5-3A6C-94C1-8859FE71A1CC}"/>
+                </a:ext>
+              </a:extLst>
+            </p:cNvPr>
+            <p:cNvSpPr/>
+            <p:nvPr/>
+          </p:nvSpPr>
+          <p:spPr bwMode="auto">
+            <a:xfrm>
+              <a:off x="10247313" y="5013325"/>
+              <a:ext cx="1919288" cy="1830388"/>
+            </a:xfrm>
+            <a:custGeom>
+              <a:avLst/>
+              <a:gdLst/>
+              <a:ahLst/>
+              <a:cxnLst/>
+              <a:rect l="0" t="0" r="r" b="b"/>
+              <a:pathLst>
+                <a:path w="404" h="385">
+                  <a:moveTo>
+                    <a:pt x="0" y="385"/>
+                  </a:moveTo>
+                  <a:cubicBezTo>
+                    <a:pt x="146" y="272"/>
+                    <a:pt x="285" y="142"/>
+                    <a:pt x="404" y="0"/>
+                  </a:cubicBezTo>
+                </a:path>
+              </a:pathLst>
+            </a:custGeom>
+            <a:noFill/>
+            <a:ln w="9525" cap="flat">
+              <a:solidFill>
+                <a:schemeClr val="tx1">
+                  <a:alpha val="20000"/>
+                </a:schemeClr>
+              </a:solidFill>
+              <a:prstDash val="solid"/>
+              <a:miter lim="800000"/>
+              <a:headEnd/>
+              <a:tailEnd/>
+            </a:ln>
+            <a:extLst>
+              <a:ext uri="{909E8E84-426E-40DD-AFC4-6F175D3DCCD1}">
+                <a14:hiddenFill xmlns:a14="http://schemas.microsoft.com/office/drawing/2010/main">
+                  <a:solidFill>
+                    <a:srgbClr val="FFFFFF"/>
+                  </a:solidFill>
+                </a14:hiddenFill>
+              </a:ext>
+            </a:extLst>
+          </p:spPr>
+        </p:sp>
+        <p:sp>
+          <p:nvSpPr>
+            <p:cNvPr id="9" name="Freeform 8">
+              <a:extLst>
+                <a:ext uri="{FF2B5EF4-FFF2-40B4-BE49-F238E27FC236}">
+                  <a16:creationId xmlns:a16="http://schemas.microsoft.com/office/drawing/2014/main" id="{7DBF906B-5E1C-050F-77CC-165B3D77DEE0}"/>
+                </a:ext>
+              </a:extLst>
+            </p:cNvPr>
+            <p:cNvSpPr/>
+            <p:nvPr/>
+          </p:nvSpPr>
+          <p:spPr bwMode="auto">
+            <a:xfrm>
+              <a:off x="1120775" y="0"/>
+              <a:ext cx="3676650" cy="6843713"/>
+            </a:xfrm>
+            <a:custGeom>
+              <a:avLst/>
+              <a:gdLst/>
+              <a:ahLst/>
+              <a:cxnLst/>
+              <a:rect l="0" t="0" r="r" b="b"/>
+              <a:pathLst>
+                <a:path w="774" h="1440">
+                  <a:moveTo>
+                    <a:pt x="774" y="0"/>
+                  </a:moveTo>
+                  <a:cubicBezTo>
+                    <a:pt x="312" y="240"/>
+                    <a:pt x="0" y="1034"/>
+                    <a:pt x="411" y="1440"/>
+                  </a:cubicBezTo>
+                </a:path>
+              </a:pathLst>
+            </a:custGeom>
+            <a:noFill/>
+            <a:ln w="9525" cap="flat">
+              <a:solidFill>
+                <a:schemeClr val="tx1">
+                  <a:alpha val="20000"/>
+                </a:schemeClr>
+              </a:solidFill>
+              <a:prstDash val="dash"/>
+              <a:miter lim="800000"/>
+              <a:headEnd/>
+              <a:tailEnd/>
+            </a:ln>
+            <a:extLst>
+              <a:ext uri="{909E8E84-426E-40DD-AFC4-6F175D3DCCD1}">
+                <a14:hiddenFill xmlns:a14="http://schemas.microsoft.com/office/drawing/2010/main">
+                  <a:solidFill>
+                    <a:srgbClr val="FFFFFF"/>
+                  </a:solidFill>
+                </a14:hiddenFill>
+              </a:ext>
+            </a:extLst>
+          </p:spPr>
+        </p:sp>
+        <p:sp>
+          <p:nvSpPr>
+            <p:cNvPr id="10" name="Freeform 9">
+              <a:extLst>
+                <a:ext uri="{FF2B5EF4-FFF2-40B4-BE49-F238E27FC236}">
+                  <a16:creationId xmlns:a16="http://schemas.microsoft.com/office/drawing/2014/main" id="{D063DF2A-4371-D57E-8456-67A861F81FA0}"/>
+                </a:ext>
+              </a:extLst>
+            </p:cNvPr>
+            <p:cNvSpPr/>
+            <p:nvPr/>
+          </p:nvSpPr>
+          <p:spPr bwMode="auto">
+            <a:xfrm>
+              <a:off x="11202988" y="9525"/>
+              <a:ext cx="963613" cy="366713"/>
+            </a:xfrm>
+            <a:custGeom>
+              <a:avLst/>
+              <a:gdLst/>
+              <a:ahLst/>
+              <a:cxnLst/>
+              <a:rect l="0" t="0" r="r" b="b"/>
+              <a:pathLst>
+                <a:path w="203" h="77">
+                  <a:moveTo>
+                    <a:pt x="203" y="77"/>
+                  </a:moveTo>
+                  <a:cubicBezTo>
+                    <a:pt x="138" y="46"/>
+                    <a:pt x="68" y="21"/>
+                    <a:pt x="0" y="0"/>
+                  </a:cubicBezTo>
+                </a:path>
+              </a:pathLst>
+            </a:custGeom>
+            <a:noFill/>
+            <a:ln w="9525" cap="flat">
+              <a:solidFill>
+                <a:schemeClr val="tx1">
+                  <a:alpha val="20000"/>
+                </a:schemeClr>
+              </a:solidFill>
+              <a:prstDash val="dash"/>
+              <a:miter lim="800000"/>
+              <a:headEnd/>
+              <a:tailEnd/>
+            </a:ln>
+            <a:extLst>
+              <a:ext uri="{909E8E84-426E-40DD-AFC4-6F175D3DCCD1}">
+                <a14:hiddenFill xmlns:a14="http://schemas.microsoft.com/office/drawing/2010/main">
+                  <a:solidFill>
+                    <a:srgbClr val="FFFFFF"/>
+                  </a:solidFill>
+                </a14:hiddenFill>
+              </a:ext>
+            </a:extLst>
+          </p:spPr>
+        </p:sp>
+        <p:sp>
+          <p:nvSpPr>
+            <p:cNvPr id="11" name="Freeform 10">
+              <a:extLst>
+                <a:ext uri="{FF2B5EF4-FFF2-40B4-BE49-F238E27FC236}">
+                  <a16:creationId xmlns:a16="http://schemas.microsoft.com/office/drawing/2014/main" id="{C5E6D44B-7478-2243-646B-129E5877EADC}"/>
+                </a:ext>
+              </a:extLst>
+            </p:cNvPr>
+            <p:cNvSpPr/>
+            <p:nvPr/>
+          </p:nvSpPr>
+          <p:spPr bwMode="auto">
+            <a:xfrm>
+              <a:off x="10494963" y="5275263"/>
+              <a:ext cx="1666875" cy="1577975"/>
+            </a:xfrm>
+            <a:custGeom>
+              <a:avLst/>
+              <a:gdLst/>
+              <a:ahLst/>
+              <a:cxnLst/>
+              <a:rect l="0" t="0" r="r" b="b"/>
+              <a:pathLst>
+                <a:path w="351" h="332">
+                  <a:moveTo>
+                    <a:pt x="0" y="332"/>
+                  </a:moveTo>
+                  <a:cubicBezTo>
+                    <a:pt x="125" y="232"/>
+                    <a:pt x="245" y="121"/>
+                    <a:pt x="351" y="0"/>
+                  </a:cubicBezTo>
+                </a:path>
+              </a:pathLst>
+            </a:custGeom>
+            <a:noFill/>
+            <a:ln w="9525" cap="flat">
+              <a:solidFill>
+                <a:schemeClr val="tx1">
+                  <a:alpha val="20000"/>
+                </a:schemeClr>
+              </a:solidFill>
+              <a:prstDash val="dash"/>
+              <a:miter lim="800000"/>
+              <a:headEnd/>
+              <a:tailEnd/>
+            </a:ln>
+            <a:extLst>
+              <a:ext uri="{909E8E84-426E-40DD-AFC4-6F175D3DCCD1}">
+                <a14:hiddenFill xmlns:a14="http://schemas.microsoft.com/office/drawing/2010/main">
+                  <a:solidFill>
+                    <a:srgbClr val="FFFFFF"/>
+                  </a:solidFill>
+                </a14:hiddenFill>
+              </a:ext>
+            </a:extLst>
+          </p:spPr>
+        </p:sp>
+        <p:sp>
+          <p:nvSpPr>
+            <p:cNvPr id="12" name="Freeform 11">
+              <a:extLst>
+                <a:ext uri="{FF2B5EF4-FFF2-40B4-BE49-F238E27FC236}">
+                  <a16:creationId xmlns:a16="http://schemas.microsoft.com/office/drawing/2014/main" id="{94CA1D35-6552-3B74-5E22-6525CAFE1965}"/>
+                </a:ext>
+              </a:extLst>
+            </p:cNvPr>
+            <p:cNvSpPr/>
+            <p:nvPr/>
+          </p:nvSpPr>
+          <p:spPr bwMode="auto">
+            <a:xfrm>
+              <a:off x="1001713" y="0"/>
+              <a:ext cx="3621088" cy="6843713"/>
+            </a:xfrm>
+            <a:custGeom>
+              <a:avLst/>
+              <a:gdLst/>
+              <a:ahLst/>
+              <a:cxnLst/>
+              <a:rect l="0" t="0" r="r" b="b"/>
+              <a:pathLst>
+                <a:path w="762" h="1440">
+                  <a:moveTo>
+                    <a:pt x="762" y="0"/>
+                  </a:moveTo>
+                  <a:cubicBezTo>
+                    <a:pt x="308" y="245"/>
+                    <a:pt x="0" y="1033"/>
+                    <a:pt x="403" y="1440"/>
+                  </a:cubicBezTo>
+                </a:path>
+              </a:pathLst>
+            </a:custGeom>
+            <a:noFill/>
+            <a:ln w="9525" cap="flat">
+              <a:solidFill>
+                <a:schemeClr val="tx1">
+                  <a:alpha val="20000"/>
+                </a:schemeClr>
+              </a:solidFill>
+              <a:prstDash val="solid"/>
+              <a:miter lim="800000"/>
+              <a:headEnd/>
+              <a:tailEnd/>
+            </a:ln>
+            <a:extLst>
+              <a:ext uri="{909E8E84-426E-40DD-AFC4-6F175D3DCCD1}">
+                <a14:hiddenFill xmlns:a14="http://schemas.microsoft.com/office/drawing/2010/main">
+                  <a:solidFill>
+                    <a:srgbClr val="FFFFFF"/>
+                  </a:solidFill>
+                </a14:hiddenFill>
+              </a:ext>
+            </a:extLst>
+          </p:spPr>
+        </p:sp>
+        <p:sp>
+          <p:nvSpPr>
+            <p:cNvPr id="13" name="Freeform 12">
+              <a:extLst>
+                <a:ext uri="{FF2B5EF4-FFF2-40B4-BE49-F238E27FC236}">
+                  <a16:creationId xmlns:a16="http://schemas.microsoft.com/office/drawing/2014/main" id="{19DEC5EA-964B-1C22-A0AD-2ACF14D0075B}"/>
+                </a:ext>
+              </a:extLst>
+            </p:cNvPr>
+            <p:cNvSpPr/>
+            <p:nvPr/>
+          </p:nvSpPr>
+          <p:spPr bwMode="auto">
+            <a:xfrm>
+              <a:off x="11501438" y="9525"/>
+              <a:ext cx="665163" cy="257175"/>
+            </a:xfrm>
+            <a:custGeom>
+              <a:avLst/>
+              <a:gdLst/>
+              <a:ahLst/>
+              <a:cxnLst/>
+              <a:rect l="0" t="0" r="r" b="b"/>
+              <a:pathLst>
+                <a:path w="140" h="54">
+                  <a:moveTo>
+                    <a:pt x="140" y="54"/>
+                  </a:moveTo>
+                  <a:cubicBezTo>
+                    <a:pt x="95" y="34"/>
+                    <a:pt x="48" y="16"/>
+                    <a:pt x="0" y="0"/>
+                  </a:cubicBezTo>
+                </a:path>
+              </a:pathLst>
+            </a:custGeom>
+            <a:noFill/>
+            <a:ln w="9525" cap="flat">
+              <a:solidFill>
+                <a:schemeClr val="tx1">
+                  <a:alpha val="20000"/>
+                </a:schemeClr>
+              </a:solidFill>
+              <a:prstDash val="solid"/>
+              <a:miter lim="800000"/>
+              <a:headEnd/>
+              <a:tailEnd/>
+            </a:ln>
+            <a:extLst>
+              <a:ext uri="{909E8E84-426E-40DD-AFC4-6F175D3DCCD1}">
+                <a14:hiddenFill xmlns:a14="http://schemas.microsoft.com/office/drawing/2010/main">
+                  <a:solidFill>
+                    <a:srgbClr val="FFFFFF"/>
+                  </a:solidFill>
+                </a14:hiddenFill>
+              </a:ext>
+            </a:extLst>
+          </p:spPr>
+        </p:sp>
+        <p:sp>
+          <p:nvSpPr>
+            <p:cNvPr id="14" name="Freeform 13">
+              <a:extLst>
+                <a:ext uri="{FF2B5EF4-FFF2-40B4-BE49-F238E27FC236}">
+                  <a16:creationId xmlns:a16="http://schemas.microsoft.com/office/drawing/2014/main" id="{F1631E93-8FA9-60F5-4401-78209ACDD1A2}"/>
+                </a:ext>
+              </a:extLst>
+            </p:cNvPr>
+            <p:cNvSpPr/>
+            <p:nvPr/>
+          </p:nvSpPr>
+          <p:spPr bwMode="auto">
+            <a:xfrm>
+              <a:off x="10641013" y="5408613"/>
+              <a:ext cx="1525588" cy="1435100"/>
+            </a:xfrm>
+            <a:custGeom>
+              <a:avLst/>
+              <a:gdLst/>
+              <a:ahLst/>
+              <a:cxnLst/>
+              <a:rect l="0" t="0" r="r" b="b"/>
+              <a:pathLst>
+                <a:path w="321" h="302">
+                  <a:moveTo>
+                    <a:pt x="0" y="302"/>
+                  </a:moveTo>
+                  <a:cubicBezTo>
+                    <a:pt x="114" y="210"/>
+                    <a:pt x="223" y="109"/>
+                    <a:pt x="321" y="0"/>
+                  </a:cubicBezTo>
+                </a:path>
+              </a:pathLst>
+            </a:custGeom>
+            <a:noFill/>
+            <a:ln w="9525" cap="flat">
+              <a:solidFill>
+                <a:schemeClr val="tx1">
+                  <a:alpha val="20000"/>
+                </a:schemeClr>
+              </a:solidFill>
+              <a:prstDash val="solid"/>
+              <a:miter lim="800000"/>
+              <a:headEnd/>
+              <a:tailEnd/>
+            </a:ln>
+            <a:extLst>
+              <a:ext uri="{909E8E84-426E-40DD-AFC4-6F175D3DCCD1}">
+                <a14:hiddenFill xmlns:a14="http://schemas.microsoft.com/office/drawing/2010/main">
+                  <a:solidFill>
+                    <a:srgbClr val="FFFFFF"/>
+                  </a:solidFill>
+                </a14:hiddenFill>
+              </a:ext>
+            </a:extLst>
+          </p:spPr>
+        </p:sp>
+        <p:sp>
+          <p:nvSpPr>
+            <p:cNvPr id="15" name="Freeform 14">
+              <a:extLst>
+                <a:ext uri="{FF2B5EF4-FFF2-40B4-BE49-F238E27FC236}">
+                  <a16:creationId xmlns:a16="http://schemas.microsoft.com/office/drawing/2014/main" id="{F9ED3BC6-94F6-9888-D473-2B43854604D7}"/>
+                </a:ext>
+              </a:extLst>
+            </p:cNvPr>
+            <p:cNvSpPr/>
+            <p:nvPr/>
+          </p:nvSpPr>
+          <p:spPr bwMode="auto">
+            <a:xfrm>
+              <a:off x="1001713" y="0"/>
+              <a:ext cx="3244850" cy="6843713"/>
+            </a:xfrm>
+            <a:custGeom>
+              <a:avLst/>
+              <a:gdLst/>
+              <a:ahLst/>
+              <a:cxnLst/>
+              <a:rect l="0" t="0" r="r" b="b"/>
+              <a:pathLst>
+                <a:path w="683" h="1440">
+                  <a:moveTo>
+                    <a:pt x="683" y="0"/>
+                  </a:moveTo>
+                  <a:cubicBezTo>
+                    <a:pt x="258" y="256"/>
+                    <a:pt x="0" y="1041"/>
+                    <a:pt x="355" y="1440"/>
+                  </a:cubicBezTo>
+                </a:path>
+              </a:pathLst>
+            </a:custGeom>
+            <a:noFill/>
+            <a:ln w="9525" cap="flat">
+              <a:solidFill>
+                <a:schemeClr val="tx1">
+                  <a:alpha val="20000"/>
+                </a:schemeClr>
+              </a:solidFill>
+              <a:prstDash val="solid"/>
+              <a:miter lim="800000"/>
+              <a:headEnd/>
+              <a:tailEnd/>
+            </a:ln>
+            <a:extLst>
+              <a:ext uri="{909E8E84-426E-40DD-AFC4-6F175D3DCCD1}">
+                <a14:hiddenFill xmlns:a14="http://schemas.microsoft.com/office/drawing/2010/main">
+                  <a:solidFill>
+                    <a:srgbClr val="FFFFFF"/>
+                  </a:solidFill>
+                </a14:hiddenFill>
+              </a:ext>
+            </a:extLst>
+          </p:spPr>
+        </p:sp>
+        <p:sp>
+          <p:nvSpPr>
+            <p:cNvPr id="16" name="Freeform 15">
+              <a:extLst>
+                <a:ext uri="{FF2B5EF4-FFF2-40B4-BE49-F238E27FC236}">
+                  <a16:creationId xmlns:a16="http://schemas.microsoft.com/office/drawing/2014/main" id="{F41FC9C7-A70C-D777-E82F-40F90C060CEF}"/>
+                </a:ext>
+              </a:extLst>
+            </p:cNvPr>
+            <p:cNvSpPr/>
+            <p:nvPr/>
+          </p:nvSpPr>
+          <p:spPr bwMode="auto">
+            <a:xfrm>
+              <a:off x="10802938" y="5518150"/>
+              <a:ext cx="1363663" cy="1325563"/>
+            </a:xfrm>
+            <a:custGeom>
+              <a:avLst/>
+              <a:gdLst/>
+              <a:ahLst/>
+              <a:cxnLst/>
+              <a:rect l="0" t="0" r="r" b="b"/>
+              <a:pathLst>
+                <a:path w="287" h="279">
+                  <a:moveTo>
+                    <a:pt x="0" y="279"/>
+                  </a:moveTo>
+                  <a:cubicBezTo>
+                    <a:pt x="101" y="193"/>
+                    <a:pt x="198" y="100"/>
+                    <a:pt x="287" y="0"/>
+                  </a:cubicBezTo>
+                </a:path>
+              </a:pathLst>
+            </a:custGeom>
+            <a:noFill/>
+            <a:ln w="9525" cap="flat">
+              <a:solidFill>
+                <a:schemeClr val="tx1">
+                  <a:alpha val="20000"/>
+                </a:schemeClr>
+              </a:solidFill>
+              <a:prstDash val="solid"/>
+              <a:miter lim="800000"/>
+              <a:headEnd/>
+              <a:tailEnd/>
+            </a:ln>
+            <a:extLst>
+              <a:ext uri="{909E8E84-426E-40DD-AFC4-6F175D3DCCD1}">
+                <a14:hiddenFill xmlns:a14="http://schemas.microsoft.com/office/drawing/2010/main">
+                  <a:solidFill>
+                    <a:srgbClr val="FFFFFF"/>
+                  </a:solidFill>
+                </a14:hiddenFill>
+              </a:ext>
+            </a:extLst>
+          </p:spPr>
+        </p:sp>
+        <p:sp>
+          <p:nvSpPr>
+            <p:cNvPr id="17" name="Freeform 16">
+              <a:extLst>
+                <a:ext uri="{FF2B5EF4-FFF2-40B4-BE49-F238E27FC236}">
+                  <a16:creationId xmlns:a16="http://schemas.microsoft.com/office/drawing/2014/main" id="{9CF1E6D3-ACEA-0E54-174E-718E2846DA44}"/>
+                </a:ext>
+              </a:extLst>
+            </p:cNvPr>
+            <p:cNvSpPr/>
+            <p:nvPr/>
+          </p:nvSpPr>
+          <p:spPr bwMode="auto">
+            <a:xfrm>
+              <a:off x="889000" y="0"/>
+              <a:ext cx="3230563" cy="6843713"/>
+            </a:xfrm>
+            <a:custGeom>
+              <a:avLst/>
+              <a:gdLst/>
+              <a:ahLst/>
+              <a:cxnLst/>
+              <a:rect l="0" t="0" r="r" b="b"/>
+              <a:pathLst>
+                <a:path w="680" h="1440">
+                  <a:moveTo>
+                    <a:pt x="680" y="0"/>
+                  </a:moveTo>
+                  <a:cubicBezTo>
+                    <a:pt x="257" y="265"/>
+                    <a:pt x="0" y="1026"/>
+                    <a:pt x="337" y="1440"/>
+                  </a:cubicBezTo>
+                </a:path>
+              </a:pathLst>
+            </a:custGeom>
+            <a:noFill/>
+            <a:ln w="9525" cap="flat">
+              <a:solidFill>
+                <a:schemeClr val="tx1">
+                  <a:alpha val="20000"/>
+                </a:schemeClr>
+              </a:solidFill>
+              <a:prstDash val="solid"/>
+              <a:miter lim="800000"/>
+              <a:headEnd/>
+              <a:tailEnd/>
+            </a:ln>
+            <a:extLst>
+              <a:ext uri="{909E8E84-426E-40DD-AFC4-6F175D3DCCD1}">
+                <a14:hiddenFill xmlns:a14="http://schemas.microsoft.com/office/drawing/2010/main">
+                  <a:solidFill>
+                    <a:srgbClr val="FFFFFF"/>
+                  </a:solidFill>
+                </a14:hiddenFill>
+              </a:ext>
+            </a:extLst>
+          </p:spPr>
+        </p:sp>
+        <p:sp>
+          <p:nvSpPr>
+            <p:cNvPr id="18" name="Freeform 17">
+              <a:extLst>
+                <a:ext uri="{FF2B5EF4-FFF2-40B4-BE49-F238E27FC236}">
+                  <a16:creationId xmlns:a16="http://schemas.microsoft.com/office/drawing/2014/main" id="{F6C6B655-CFEE-B0F2-19EC-E3F0DF0C9EB0}"/>
+                </a:ext>
+              </a:extLst>
+            </p:cNvPr>
+            <p:cNvSpPr/>
+            <p:nvPr/>
+          </p:nvSpPr>
+          <p:spPr bwMode="auto">
+            <a:xfrm>
+              <a:off x="10979150" y="5694363"/>
+              <a:ext cx="1187450" cy="1149350"/>
+            </a:xfrm>
+            <a:custGeom>
+              <a:avLst/>
+              <a:gdLst/>
+              <a:ahLst/>
+              <a:cxnLst/>
+              <a:rect l="0" t="0" r="r" b="b"/>
+              <a:pathLst>
+                <a:path w="250" h="242">
+                  <a:moveTo>
+                    <a:pt x="0" y="242"/>
+                  </a:moveTo>
+                  <a:cubicBezTo>
+                    <a:pt x="88" y="166"/>
+                    <a:pt x="172" y="85"/>
+                    <a:pt x="250" y="0"/>
+                  </a:cubicBezTo>
+                </a:path>
+              </a:pathLst>
+            </a:custGeom>
+            <a:noFill/>
+            <a:ln w="9525" cap="flat">
+              <a:solidFill>
+                <a:schemeClr val="tx1">
+                  <a:alpha val="20000"/>
+                </a:schemeClr>
+              </a:solidFill>
+              <a:prstDash val="solid"/>
+              <a:miter lim="800000"/>
+              <a:headEnd/>
+              <a:tailEnd/>
+            </a:ln>
+            <a:extLst>
+              <a:ext uri="{909E8E84-426E-40DD-AFC4-6F175D3DCCD1}">
+                <a14:hiddenFill xmlns:a14="http://schemas.microsoft.com/office/drawing/2010/main">
+                  <a:solidFill>
+                    <a:srgbClr val="FFFFFF"/>
+                  </a:solidFill>
+                </a14:hiddenFill>
+              </a:ext>
+            </a:extLst>
+          </p:spPr>
+        </p:sp>
+        <p:sp>
+          <p:nvSpPr>
+            <p:cNvPr id="19" name="Freeform 18">
+              <a:extLst>
+                <a:ext uri="{FF2B5EF4-FFF2-40B4-BE49-F238E27FC236}">
+                  <a16:creationId xmlns:a16="http://schemas.microsoft.com/office/drawing/2014/main" id="{769B2548-A9B8-6A8E-3CCF-4A12BBC1FC80}"/>
+                </a:ext>
+              </a:extLst>
+            </p:cNvPr>
+            <p:cNvSpPr/>
+            <p:nvPr/>
+          </p:nvSpPr>
+          <p:spPr bwMode="auto">
+            <a:xfrm>
+              <a:off x="484188" y="0"/>
+              <a:ext cx="3421063" cy="6843713"/>
+            </a:xfrm>
+            <a:custGeom>
+              <a:avLst/>
+              <a:gdLst/>
+              <a:ahLst/>
+              <a:cxnLst/>
+              <a:rect l="0" t="0" r="r" b="b"/>
+              <a:pathLst>
+                <a:path w="720" h="1440">
+                  <a:moveTo>
+                    <a:pt x="720" y="0"/>
+                  </a:moveTo>
+                  <a:cubicBezTo>
+                    <a:pt x="316" y="282"/>
+                    <a:pt x="0" y="1018"/>
+                    <a:pt x="362" y="1440"/>
+                  </a:cubicBezTo>
+                </a:path>
+              </a:pathLst>
+            </a:custGeom>
+            <a:noFill/>
+            <a:ln w="9525" cap="flat">
+              <a:solidFill>
+                <a:schemeClr val="tx1">
+                  <a:alpha val="20000"/>
+                </a:schemeClr>
+              </a:solidFill>
+              <a:prstDash val="solid"/>
+              <a:miter lim="800000"/>
+              <a:headEnd/>
+              <a:tailEnd/>
+            </a:ln>
+            <a:extLst>
+              <a:ext uri="{909E8E84-426E-40DD-AFC4-6F175D3DCCD1}">
+                <a14:hiddenFill xmlns:a14="http://schemas.microsoft.com/office/drawing/2010/main">
+                  <a:solidFill>
+                    <a:srgbClr val="FFFFFF"/>
+                  </a:solidFill>
+                </a14:hiddenFill>
+              </a:ext>
+            </a:extLst>
+          </p:spPr>
+        </p:sp>
+        <p:sp>
+          <p:nvSpPr>
+            <p:cNvPr id="20" name="Freeform 19">
+              <a:extLst>
+                <a:ext uri="{FF2B5EF4-FFF2-40B4-BE49-F238E27FC236}">
+                  <a16:creationId xmlns:a16="http://schemas.microsoft.com/office/drawing/2014/main" id="{145BB9FA-2C68-7253-D40D-04727B5E85D6}"/>
+                </a:ext>
+              </a:extLst>
+            </p:cNvPr>
+            <p:cNvSpPr/>
+            <p:nvPr/>
+          </p:nvSpPr>
+          <p:spPr bwMode="auto">
+            <a:xfrm>
+              <a:off x="11287125" y="6049963"/>
+              <a:ext cx="879475" cy="793750"/>
+            </a:xfrm>
+            <a:custGeom>
+              <a:avLst/>
+              <a:gdLst/>
+              <a:ahLst/>
+              <a:cxnLst/>
+              <a:rect l="0" t="0" r="r" b="b"/>
+              <a:pathLst>
+                <a:path w="185" h="167">
+                  <a:moveTo>
+                    <a:pt x="0" y="167"/>
+                  </a:moveTo>
+                  <a:cubicBezTo>
+                    <a:pt x="63" y="114"/>
+                    <a:pt x="125" y="58"/>
+                    <a:pt x="185" y="0"/>
+                  </a:cubicBezTo>
+                </a:path>
+              </a:pathLst>
+            </a:custGeom>
+            <a:noFill/>
+            <a:ln w="9525" cap="flat">
+              <a:solidFill>
+                <a:schemeClr val="tx1">
+                  <a:alpha val="20000"/>
+                </a:schemeClr>
+              </a:solidFill>
+              <a:prstDash val="solid"/>
+              <a:miter lim="800000"/>
+              <a:headEnd/>
+              <a:tailEnd/>
+            </a:ln>
+            <a:extLst>
+              <a:ext uri="{909E8E84-426E-40DD-AFC4-6F175D3DCCD1}">
+                <a14:hiddenFill xmlns:a14="http://schemas.microsoft.com/office/drawing/2010/main">
+                  <a:solidFill>
+                    <a:srgbClr val="FFFFFF"/>
+                  </a:solidFill>
+                </a14:hiddenFill>
+              </a:ext>
+            </a:extLst>
+          </p:spPr>
+        </p:sp>
+        <p:sp>
+          <p:nvSpPr>
+            <p:cNvPr id="21" name="Freeform 20">
+              <a:extLst>
+                <a:ext uri="{FF2B5EF4-FFF2-40B4-BE49-F238E27FC236}">
+                  <a16:creationId xmlns:a16="http://schemas.microsoft.com/office/drawing/2014/main" id="{F1621603-9BD5-844A-8B50-76F831D39B53}"/>
+                </a:ext>
+              </a:extLst>
+            </p:cNvPr>
+            <p:cNvSpPr/>
+            <p:nvPr/>
+          </p:nvSpPr>
+          <p:spPr bwMode="auto">
+            <a:xfrm>
+              <a:off x="598488" y="0"/>
+              <a:ext cx="2717800" cy="6843713"/>
+            </a:xfrm>
+            <a:custGeom>
+              <a:avLst/>
+              <a:gdLst/>
+              <a:ahLst/>
+              <a:cxnLst/>
+              <a:rect l="0" t="0" r="r" b="b"/>
+              <a:pathLst>
+                <a:path w="572" h="1440">
+                  <a:moveTo>
+                    <a:pt x="572" y="0"/>
+                  </a:moveTo>
+                  <a:cubicBezTo>
+                    <a:pt x="213" y="320"/>
+                    <a:pt x="0" y="979"/>
+                    <a:pt x="164" y="1440"/>
+                  </a:cubicBezTo>
+                </a:path>
+              </a:pathLst>
+            </a:custGeom>
+            <a:noFill/>
+            <a:ln w="12700" cap="flat">
+              <a:solidFill>
+                <a:schemeClr val="tx1">
+                  <a:alpha val="20000"/>
+                </a:schemeClr>
+              </a:solidFill>
+              <a:prstDash val="dashDot"/>
+              <a:miter lim="800000"/>
+              <a:headEnd/>
+              <a:tailEnd/>
+            </a:ln>
+            <a:extLst>
+              <a:ext uri="{909E8E84-426E-40DD-AFC4-6F175D3DCCD1}">
+                <a14:hiddenFill xmlns:a14="http://schemas.microsoft.com/office/drawing/2010/main">
+                  <a:solidFill>
+                    <a:srgbClr val="FFFFFF"/>
+                  </a:solidFill>
+                </a14:hiddenFill>
+              </a:ext>
+            </a:extLst>
+          </p:spPr>
+        </p:sp>
+        <p:sp>
+          <p:nvSpPr>
+            <p:cNvPr id="22" name="Freeform 21">
+              <a:extLst>
+                <a:ext uri="{FF2B5EF4-FFF2-40B4-BE49-F238E27FC236}">
+                  <a16:creationId xmlns:a16="http://schemas.microsoft.com/office/drawing/2014/main" id="{2B90FEB0-2BB4-485E-830B-42A88C86DD9C}"/>
+                </a:ext>
+              </a:extLst>
+            </p:cNvPr>
+            <p:cNvSpPr/>
+            <p:nvPr/>
+          </p:nvSpPr>
+          <p:spPr bwMode="auto">
+            <a:xfrm>
+              <a:off x="261938" y="0"/>
+              <a:ext cx="2944813" cy="6843713"/>
+            </a:xfrm>
+            <a:custGeom>
+              <a:avLst/>
+              <a:gdLst/>
+              <a:ahLst/>
+              <a:cxnLst/>
+              <a:rect l="0" t="0" r="r" b="b"/>
+              <a:pathLst>
+                <a:path w="620" h="1440">
+                  <a:moveTo>
+                    <a:pt x="620" y="0"/>
+                  </a:moveTo>
+                  <a:cubicBezTo>
+                    <a:pt x="248" y="325"/>
+                    <a:pt x="0" y="960"/>
+                    <a:pt x="186" y="1440"/>
+                  </a:cubicBezTo>
+                </a:path>
+              </a:pathLst>
+            </a:custGeom>
+            <a:noFill/>
+            <a:ln w="9525" cap="flat">
+              <a:solidFill>
+                <a:schemeClr val="tx1">
+                  <a:alpha val="20000"/>
+                </a:schemeClr>
+              </a:solidFill>
+              <a:prstDash val="lgDash"/>
+              <a:miter lim="800000"/>
+              <a:headEnd/>
+              <a:tailEnd/>
+            </a:ln>
+            <a:extLst>
+              <a:ext uri="{909E8E84-426E-40DD-AFC4-6F175D3DCCD1}">
+                <a14:hiddenFill xmlns:a14="http://schemas.microsoft.com/office/drawing/2010/main">
+                  <a:solidFill>
+                    <a:srgbClr val="FFFFFF"/>
+                  </a:solidFill>
+                </a14:hiddenFill>
+              </a:ext>
+            </a:extLst>
+          </p:spPr>
+        </p:sp>
+        <p:sp>
+          <p:nvSpPr>
+            <p:cNvPr id="23" name="Freeform 22">
+              <a:extLst>
+                <a:ext uri="{FF2B5EF4-FFF2-40B4-BE49-F238E27FC236}">
+                  <a16:creationId xmlns:a16="http://schemas.microsoft.com/office/drawing/2014/main" id="{0BA6479B-5A28-4F05-E5E6-2C9B3471AA66}"/>
+                </a:ext>
+              </a:extLst>
+            </p:cNvPr>
+            <p:cNvSpPr/>
+            <p:nvPr userDrawn="1"/>
+          </p:nvSpPr>
+          <p:spPr bwMode="auto">
+            <a:xfrm>
+              <a:off x="-417513" y="0"/>
+              <a:ext cx="2403475" cy="6843713"/>
+            </a:xfrm>
+            <a:custGeom>
+              <a:avLst/>
+              <a:gdLst/>
+              <a:ahLst/>
+              <a:cxnLst/>
+              <a:rect l="0" t="0" r="r" b="b"/>
+              <a:pathLst>
+                <a:path w="506" h="1440">
+                  <a:moveTo>
+                    <a:pt x="506" y="0"/>
+                  </a:moveTo>
+                  <a:cubicBezTo>
+                    <a:pt x="109" y="356"/>
+                    <a:pt x="0" y="943"/>
+                    <a:pt x="171" y="1440"/>
+                  </a:cubicBezTo>
+                </a:path>
+              </a:pathLst>
+            </a:custGeom>
+            <a:noFill/>
+            <a:ln w="9525" cap="flat">
+              <a:solidFill>
+                <a:schemeClr val="tx1">
+                  <a:alpha val="20000"/>
+                </a:schemeClr>
+              </a:solidFill>
+              <a:prstDash val="solid"/>
+              <a:miter lim="800000"/>
+              <a:headEnd/>
+              <a:tailEnd/>
+            </a:ln>
+            <a:extLst>
+              <a:ext uri="{909E8E84-426E-40DD-AFC4-6F175D3DCCD1}">
+                <a14:hiddenFill xmlns:a14="http://schemas.microsoft.com/office/drawing/2010/main">
+                  <a:solidFill>
+                    <a:srgbClr val="FFFFFF"/>
+                  </a:solidFill>
+                </a14:hiddenFill>
+              </a:ext>
+            </a:extLst>
+          </p:spPr>
+        </p:sp>
+        <p:sp>
+          <p:nvSpPr>
+            <p:cNvPr id="24" name="Freeform 23">
+              <a:extLst>
+                <a:ext uri="{FF2B5EF4-FFF2-40B4-BE49-F238E27FC236}">
+                  <a16:creationId xmlns:a16="http://schemas.microsoft.com/office/drawing/2014/main" id="{460B0263-216E-2254-BDBA-2B0CFADDB3C2}"/>
+                </a:ext>
+              </a:extLst>
+            </p:cNvPr>
+            <p:cNvSpPr/>
+            <p:nvPr/>
+          </p:nvSpPr>
+          <p:spPr bwMode="auto">
+            <a:xfrm>
+              <a:off x="14288" y="9525"/>
+              <a:ext cx="1771650" cy="3198813"/>
+            </a:xfrm>
+            <a:custGeom>
+              <a:avLst/>
+              <a:gdLst/>
+              <a:ahLst/>
+              <a:cxnLst/>
+              <a:rect l="0" t="0" r="r" b="b"/>
+              <a:pathLst>
+                <a:path w="373" h="673">
+                  <a:moveTo>
+                    <a:pt x="373" y="0"/>
+                  </a:moveTo>
+                  <a:cubicBezTo>
+                    <a:pt x="175" y="183"/>
+                    <a:pt x="51" y="409"/>
+                    <a:pt x="0" y="673"/>
+                  </a:cubicBezTo>
+                </a:path>
+              </a:pathLst>
+            </a:custGeom>
+            <a:noFill/>
+            <a:ln w="9525" cap="flat">
+              <a:solidFill>
+                <a:schemeClr val="tx1">
+                  <a:alpha val="20000"/>
+                </a:schemeClr>
+              </a:solidFill>
+              <a:prstDash val="solid"/>
+              <a:miter lim="800000"/>
+              <a:headEnd/>
+              <a:tailEnd/>
+            </a:ln>
+            <a:extLst>
+              <a:ext uri="{909E8E84-426E-40DD-AFC4-6F175D3DCCD1}">
+                <a14:hiddenFill xmlns:a14="http://schemas.microsoft.com/office/drawing/2010/main">
+                  <a:solidFill>
+                    <a:srgbClr val="FFFFFF"/>
+                  </a:solidFill>
+                </a14:hiddenFill>
+              </a:ext>
+            </a:extLst>
+          </p:spPr>
+        </p:sp>
+        <p:sp>
+          <p:nvSpPr>
+            <p:cNvPr id="25" name="Freeform 24">
+              <a:extLst>
+                <a:ext uri="{FF2B5EF4-FFF2-40B4-BE49-F238E27FC236}">
+                  <a16:creationId xmlns:a16="http://schemas.microsoft.com/office/drawing/2014/main" id="{74F137A4-53DE-617A-694A-4FF42B27C92C}"/>
+                </a:ext>
+              </a:extLst>
+            </p:cNvPr>
+            <p:cNvSpPr/>
+            <p:nvPr/>
+          </p:nvSpPr>
+          <p:spPr bwMode="auto">
+            <a:xfrm>
+              <a:off x="4763" y="6016625"/>
+              <a:ext cx="214313" cy="827088"/>
+            </a:xfrm>
+            <a:custGeom>
+              <a:avLst/>
+              <a:gdLst/>
+              <a:ahLst/>
+              <a:cxnLst/>
+              <a:rect l="0" t="0" r="r" b="b"/>
+              <a:pathLst>
+                <a:path w="45" h="174">
+                  <a:moveTo>
+                    <a:pt x="0" y="0"/>
+                  </a:moveTo>
+                  <a:cubicBezTo>
+                    <a:pt x="11" y="59"/>
+                    <a:pt x="26" y="118"/>
+                    <a:pt x="45" y="174"/>
+                  </a:cubicBezTo>
+                </a:path>
+              </a:pathLst>
+            </a:custGeom>
+            <a:noFill/>
+            <a:ln w="9525" cap="flat">
+              <a:solidFill>
+                <a:schemeClr val="tx1">
+                  <a:alpha val="20000"/>
+                </a:schemeClr>
+              </a:solidFill>
+              <a:prstDash val="solid"/>
+              <a:miter lim="800000"/>
+              <a:headEnd/>
+              <a:tailEnd/>
+            </a:ln>
+            <a:extLst>
+              <a:ext uri="{909E8E84-426E-40DD-AFC4-6F175D3DCCD1}">
+                <a14:hiddenFill xmlns:a14="http://schemas.microsoft.com/office/drawing/2010/main">
+                  <a:solidFill>
+                    <a:srgbClr val="FFFFFF"/>
+                  </a:solidFill>
+                </a14:hiddenFill>
+              </a:ext>
+            </a:extLst>
+          </p:spPr>
+        </p:sp>
+        <p:sp>
+          <p:nvSpPr>
+            <p:cNvPr id="26" name="Freeform 25">
+              <a:extLst>
+                <a:ext uri="{FF2B5EF4-FFF2-40B4-BE49-F238E27FC236}">
+                  <a16:creationId xmlns:a16="http://schemas.microsoft.com/office/drawing/2014/main" id="{5CEC7191-042C-EB5B-DD00-D9FE3F4994DE}"/>
+                </a:ext>
+              </a:extLst>
+            </p:cNvPr>
+            <p:cNvSpPr/>
+            <p:nvPr/>
+          </p:nvSpPr>
+          <p:spPr bwMode="auto">
+            <a:xfrm>
+              <a:off x="14288" y="0"/>
+              <a:ext cx="1562100" cy="2228850"/>
+            </a:xfrm>
+            <a:custGeom>
+              <a:avLst/>
+              <a:gdLst/>
+              <a:ahLst/>
+              <a:cxnLst/>
+              <a:rect l="0" t="0" r="r" b="b"/>
+              <a:pathLst>
+                <a:path w="329" h="469">
+                  <a:moveTo>
+                    <a:pt x="329" y="0"/>
+                  </a:moveTo>
+                  <a:cubicBezTo>
+                    <a:pt x="189" y="133"/>
+                    <a:pt x="69" y="288"/>
+                    <a:pt x="0" y="469"/>
+                  </a:cubicBezTo>
+                </a:path>
+              </a:pathLst>
+            </a:custGeom>
+            <a:noFill/>
+            <a:ln w="9525" cap="flat">
+              <a:solidFill>
+                <a:schemeClr val="tx1">
+                  <a:alpha val="20000"/>
+                </a:schemeClr>
+              </a:solidFill>
+              <a:prstDash val="solid"/>
+              <a:miter lim="800000"/>
+              <a:headEnd/>
+              <a:tailEnd/>
+            </a:ln>
+            <a:extLst>
+              <a:ext uri="{909E8E84-426E-40DD-AFC4-6F175D3DCCD1}">
+                <a14:hiddenFill xmlns:a14="http://schemas.microsoft.com/office/drawing/2010/main">
+                  <a:solidFill>
+                    <a:srgbClr val="FFFFFF"/>
+                  </a:solidFill>
+                </a14:hiddenFill>
+              </a:ext>
+            </a:extLst>
+          </p:spPr>
+        </p:sp>
+      </p:grpSp>
     </p:spTree>
   </p:cSld>
   <p:clrMapOvr>
@@ -13557,7 +15150,7 @@
           <a:p>
             <a:fld id="{48A87A34-81AB-432B-8DAE-1953F412C126}" type="datetimeFigureOut">
               <a:rPr lang="en-US" dirty="0"/>
-              <a:t>4/22/2025</a:t>
+              <a:t>4/29/2025</a:t>
             </a:fld>
             <a:endParaRPr lang="en-US" dirty="0"/>
           </a:p>
@@ -15088,7 +16681,7 @@
           <a:p>
             <a:fld id="{48A87A34-81AB-432B-8DAE-1953F412C126}" type="datetimeFigureOut">
               <a:rPr lang="en-US" dirty="0"/>
-              <a:t>4/22/2025</a:t>
+              <a:t>4/29/2025</a:t>
             </a:fld>
             <a:endParaRPr lang="en-US" dirty="0"/>
           </a:p>
@@ -15307,7 +16900,7 @@
             <a:fld id="{48A87A34-81AB-432B-8DAE-1953F412C126}" type="datetimeFigureOut">
               <a:rPr lang="en-US" dirty="0"/>
               <a:pPr/>
-              <a:t>4/22/2025</a:t>
+              <a:t>4/29/2025</a:t>
             </a:fld>
             <a:endParaRPr lang="en-US" dirty="0"/>
           </a:p>
@@ -16072,4 +17665,299 @@
     </a:ext>
   </a:extLst>
 </a:theme>
+</file>
+
+<file path=ppt/theme/theme2.xml><?xml version="1.0" encoding="utf-8"?>
+<a:theme xmlns:a="http://schemas.openxmlformats.org/drawingml/2006/main" name="Office Theme">
+  <a:themeElements>
+    <a:clrScheme name="Office">
+      <a:dk1>
+        <a:sysClr val="windowText" lastClr="000000"/>
+      </a:dk1>
+      <a:lt1>
+        <a:sysClr val="window" lastClr="FFFFFF"/>
+      </a:lt1>
+      <a:dk2>
+        <a:srgbClr val="44546A"/>
+      </a:dk2>
+      <a:lt2>
+        <a:srgbClr val="E7E6E6"/>
+      </a:lt2>
+      <a:accent1>
+        <a:srgbClr val="4472C4"/>
+      </a:accent1>
+      <a:accent2>
+        <a:srgbClr val="ED7D31"/>
+      </a:accent2>
+      <a:accent3>
+        <a:srgbClr val="A5A5A5"/>
+      </a:accent3>
+      <a:accent4>
+        <a:srgbClr val="FFC000"/>
+      </a:accent4>
+      <a:accent5>
+        <a:srgbClr val="5B9BD5"/>
+      </a:accent5>
+      <a:accent6>
+        <a:srgbClr val="70AD47"/>
+      </a:accent6>
+      <a:hlink>
+        <a:srgbClr val="0563C1"/>
+      </a:hlink>
+      <a:folHlink>
+        <a:srgbClr val="954F72"/>
+      </a:folHlink>
+    </a:clrScheme>
+    <a:fontScheme name="Office">
+      <a:majorFont>
+        <a:latin typeface="Calibri Light" panose="020F0302020204030204"/>
+        <a:ea typeface=""/>
+        <a:cs typeface=""/>
+        <a:font script="Jpan" typeface="游ゴシック Light"/>
+        <a:font script="Hang" typeface="맑은 고딕"/>
+        <a:font script="Hans" typeface="等线 Light"/>
+        <a:font script="Hant" typeface="新細明體"/>
+        <a:font script="Arab" typeface="Times New Roman"/>
+        <a:font script="Hebr" typeface="Times New Roman"/>
+        <a:font script="Thai" typeface="Angsana New"/>
+        <a:font script="Ethi" typeface="Nyala"/>
+        <a:font script="Beng" typeface="Vrinda"/>
+        <a:font script="Gujr" typeface="Shruti"/>
+        <a:font script="Khmr" typeface="MoolBoran"/>
+        <a:font script="Knda" typeface="Tunga"/>
+        <a:font script="Guru" typeface="Raavi"/>
+        <a:font script="Cans" typeface="Euphemia"/>
+        <a:font script="Cher" typeface="Plantagenet Cherokee"/>
+        <a:font script="Yiii" typeface="Microsoft Yi Baiti"/>
+        <a:font script="Tibt" typeface="Microsoft Himalaya"/>
+        <a:font script="Thaa" typeface="MV Boli"/>
+        <a:font script="Deva" typeface="Mangal"/>
+        <a:font script="Telu" typeface="Gautami"/>
+        <a:font script="Taml" typeface="Latha"/>
+        <a:font script="Syrc" typeface="Estrangelo Edessa"/>
+        <a:font script="Orya" typeface="Kalinga"/>
+        <a:font script="Mlym" typeface="Kartika"/>
+        <a:font script="Laoo" typeface="DokChampa"/>
+        <a:font script="Sinh" typeface="Iskoola Pota"/>
+        <a:font script="Mong" typeface="Mongolian Baiti"/>
+        <a:font script="Viet" typeface="Times New Roman"/>
+        <a:font script="Uigh" typeface="Microsoft Uighur"/>
+        <a:font script="Geor" typeface="Sylfaen"/>
+        <a:font script="Armn" typeface="Arial"/>
+        <a:font script="Bugi" typeface="Leelawadee UI"/>
+        <a:font script="Bopo" typeface="Microsoft JhengHei"/>
+        <a:font script="Java" typeface="Javanese Text"/>
+        <a:font script="Lisu" typeface="Segoe UI"/>
+        <a:font script="Mymr" typeface="Myanmar Text"/>
+        <a:font script="Nkoo" typeface="Ebrima"/>
+        <a:font script="Olck" typeface="Nirmala UI"/>
+        <a:font script="Osma" typeface="Ebrima"/>
+        <a:font script="Phag" typeface="Phagspa"/>
+        <a:font script="Syrn" typeface="Estrangelo Edessa"/>
+        <a:font script="Syrj" typeface="Estrangelo Edessa"/>
+        <a:font script="Syre" typeface="Estrangelo Edessa"/>
+        <a:font script="Sora" typeface="Nirmala UI"/>
+        <a:font script="Tale" typeface="Microsoft Tai Le"/>
+        <a:font script="Talu" typeface="Microsoft New Tai Lue"/>
+        <a:font script="Tfng" typeface="Ebrima"/>
+      </a:majorFont>
+      <a:minorFont>
+        <a:latin typeface="Calibri" panose="020F0502020204030204"/>
+        <a:ea typeface=""/>
+        <a:cs typeface=""/>
+        <a:font script="Jpan" typeface="游ゴシック"/>
+        <a:font script="Hang" typeface="맑은 고딕"/>
+        <a:font script="Hans" typeface="等线"/>
+        <a:font script="Hant" typeface="新細明體"/>
+        <a:font script="Arab" typeface="Arial"/>
+        <a:font script="Hebr" typeface="Arial"/>
+        <a:font script="Thai" typeface="Cordia New"/>
+        <a:font script="Ethi" typeface="Nyala"/>
+        <a:font script="Beng" typeface="Vrinda"/>
+        <a:font script="Gujr" typeface="Shruti"/>
+        <a:font script="Khmr" typeface="DaunPenh"/>
+        <a:font script="Knda" typeface="Tunga"/>
+        <a:font script="Guru" typeface="Raavi"/>
+        <a:font script="Cans" typeface="Euphemia"/>
+        <a:font script="Cher" typeface="Plantagenet Cherokee"/>
+        <a:font script="Yiii" typeface="Microsoft Yi Baiti"/>
+        <a:font script="Tibt" typeface="Microsoft Himalaya"/>
+        <a:font script="Thaa" typeface="MV Boli"/>
+        <a:font script="Deva" typeface="Mangal"/>
+        <a:font script="Telu" typeface="Gautami"/>
+        <a:font script="Taml" typeface="Latha"/>
+        <a:font script="Syrc" typeface="Estrangelo Edessa"/>
+        <a:font script="Orya" typeface="Kalinga"/>
+        <a:font script="Mlym" typeface="Kartika"/>
+        <a:font script="Laoo" typeface="DokChampa"/>
+        <a:font script="Sinh" typeface="Iskoola Pota"/>
+        <a:font script="Mong" typeface="Mongolian Baiti"/>
+        <a:font script="Viet" typeface="Arial"/>
+        <a:font script="Uigh" typeface="Microsoft Uighur"/>
+        <a:font script="Geor" typeface="Sylfaen"/>
+        <a:font script="Armn" typeface="Arial"/>
+        <a:font script="Bugi" typeface="Leelawadee UI"/>
+        <a:font script="Bopo" typeface="Microsoft JhengHei"/>
+        <a:font script="Java" typeface="Javanese Text"/>
+        <a:font script="Lisu" typeface="Segoe UI"/>
+        <a:font script="Mymr" typeface="Myanmar Text"/>
+        <a:font script="Nkoo" typeface="Ebrima"/>
+        <a:font script="Olck" typeface="Nirmala UI"/>
+        <a:font script="Osma" typeface="Ebrima"/>
+        <a:font script="Phag" typeface="Phagspa"/>
+        <a:font script="Syrn" typeface="Estrangelo Edessa"/>
+        <a:font script="Syrj" typeface="Estrangelo Edessa"/>
+        <a:font script="Syre" typeface="Estrangelo Edessa"/>
+        <a:font script="Sora" typeface="Nirmala UI"/>
+        <a:font script="Tale" typeface="Microsoft Tai Le"/>
+        <a:font script="Talu" typeface="Microsoft New Tai Lue"/>
+        <a:font script="Tfng" typeface="Ebrima"/>
+      </a:minorFont>
+    </a:fontScheme>
+    <a:fmtScheme name="Office">
+      <a:fillStyleLst>
+        <a:solidFill>
+          <a:schemeClr val="phClr"/>
+        </a:solidFill>
+        <a:gradFill rotWithShape="1">
+          <a:gsLst>
+            <a:gs pos="0">
+              <a:schemeClr val="phClr">
+                <a:lumMod val="110000"/>
+                <a:satMod val="105000"/>
+                <a:tint val="67000"/>
+              </a:schemeClr>
+            </a:gs>
+            <a:gs pos="50000">
+              <a:schemeClr val="phClr">
+                <a:lumMod val="105000"/>
+                <a:satMod val="103000"/>
+                <a:tint val="73000"/>
+              </a:schemeClr>
+            </a:gs>
+            <a:gs pos="100000">
+              <a:schemeClr val="phClr">
+                <a:lumMod val="105000"/>
+                <a:satMod val="109000"/>
+                <a:tint val="81000"/>
+              </a:schemeClr>
+            </a:gs>
+          </a:gsLst>
+          <a:lin ang="5400000" scaled="0"/>
+        </a:gradFill>
+        <a:gradFill rotWithShape="1">
+          <a:gsLst>
+            <a:gs pos="0">
+              <a:schemeClr val="phClr">
+                <a:satMod val="103000"/>
+                <a:lumMod val="102000"/>
+                <a:tint val="94000"/>
+              </a:schemeClr>
+            </a:gs>
+            <a:gs pos="50000">
+              <a:schemeClr val="phClr">
+                <a:satMod val="110000"/>
+                <a:lumMod val="100000"/>
+                <a:shade val="100000"/>
+              </a:schemeClr>
+            </a:gs>
+            <a:gs pos="100000">
+              <a:schemeClr val="phClr">
+                <a:lumMod val="99000"/>
+                <a:satMod val="120000"/>
+                <a:shade val="78000"/>
+              </a:schemeClr>
+            </a:gs>
+          </a:gsLst>
+          <a:lin ang="5400000" scaled="0"/>
+        </a:gradFill>
+      </a:fillStyleLst>
+      <a:lnStyleLst>
+        <a:ln w="6350" cap="flat" cmpd="sng" algn="ctr">
+          <a:solidFill>
+            <a:schemeClr val="phClr"/>
+          </a:solidFill>
+          <a:prstDash val="solid"/>
+          <a:miter lim="800000"/>
+        </a:ln>
+        <a:ln w="12700" cap="flat" cmpd="sng" algn="ctr">
+          <a:solidFill>
+            <a:schemeClr val="phClr"/>
+          </a:solidFill>
+          <a:prstDash val="solid"/>
+          <a:miter lim="800000"/>
+        </a:ln>
+        <a:ln w="19050" cap="flat" cmpd="sng" algn="ctr">
+          <a:solidFill>
+            <a:schemeClr val="phClr"/>
+          </a:solidFill>
+          <a:prstDash val="solid"/>
+          <a:miter lim="800000"/>
+        </a:ln>
+      </a:lnStyleLst>
+      <a:effectStyleLst>
+        <a:effectStyle>
+          <a:effectLst/>
+        </a:effectStyle>
+        <a:effectStyle>
+          <a:effectLst/>
+        </a:effectStyle>
+        <a:effectStyle>
+          <a:effectLst>
+            <a:outerShdw blurRad="57150" dist="19050" dir="5400000" algn="ctr" rotWithShape="0">
+              <a:srgbClr val="000000">
+                <a:alpha val="63000"/>
+              </a:srgbClr>
+            </a:outerShdw>
+          </a:effectLst>
+        </a:effectStyle>
+      </a:effectStyleLst>
+      <a:bgFillStyleLst>
+        <a:solidFill>
+          <a:schemeClr val="phClr"/>
+        </a:solidFill>
+        <a:solidFill>
+          <a:schemeClr val="phClr">
+            <a:tint val="95000"/>
+            <a:satMod val="170000"/>
+          </a:schemeClr>
+        </a:solidFill>
+        <a:gradFill rotWithShape="1">
+          <a:gsLst>
+            <a:gs pos="0">
+              <a:schemeClr val="phClr">
+                <a:tint val="93000"/>
+                <a:satMod val="150000"/>
+                <a:shade val="98000"/>
+                <a:lumMod val="102000"/>
+              </a:schemeClr>
+            </a:gs>
+            <a:gs pos="50000">
+              <a:schemeClr val="phClr">
+                <a:tint val="98000"/>
+                <a:satMod val="130000"/>
+                <a:shade val="90000"/>
+                <a:lumMod val="103000"/>
+              </a:schemeClr>
+            </a:gs>
+            <a:gs pos="100000">
+              <a:schemeClr val="phClr">
+                <a:shade val="63000"/>
+                <a:satMod val="120000"/>
+              </a:schemeClr>
+            </a:gs>
+          </a:gsLst>
+          <a:lin ang="5400000" scaled="0"/>
+        </a:gradFill>
+      </a:bgFillStyleLst>
+    </a:fmtScheme>
+  </a:themeElements>
+  <a:objectDefaults/>
+  <a:extraClrSchemeLst/>
+  <a:extLst>
+    <a:ext uri="{05A4C25C-085E-4340-85A3-A5531E510DB2}">
+      <thm15:themeFamily xmlns:thm15="http://schemas.microsoft.com/office/thememl/2012/main" name="Office Theme" id="{62F939B6-93AF-4DB8-9C6B-D6C7DFDC589F}" vid="{4A3C46E8-61CC-4603-A589-7422A47A8E4A}"/>
+    </a:ext>
+  </a:extLst>
+</a:theme>
 </file>